--- a/Design/Figures/User Experience.pptx
+++ b/Design/Figures/User Experience.pptx
@@ -3542,7 +3542,7 @@
         <p:spPr bwMode="auto">
           <a:xfrm>
             <a:off x="6858935" y="1290641"/>
-            <a:ext cx="4557497" cy="817773"/>
+            <a:ext cx="4541467" cy="817773"/>
           </a:xfrm>
           <a:prstGeom prst="rect">
             <a:avLst/>
@@ -3692,16 +3692,9 @@
             </a:r>
             <a:r>
               <a:rPr lang="tr-TR" sz="2400" b="1" dirty="0" smtClean="0"/>
-              <a:t>3</a:t>
-            </a:r>
-            <a:r>
-              <a:rPr lang="en-US" sz="2400" b="1" dirty="0" smtClean="0"/>
-              <a:t>0 </a:t>
-            </a:r>
-            <a:r>
-              <a:rPr lang="en-US" sz="2400" b="1" dirty="0" smtClean="0"/>
-              <a:t>min</a:t>
-            </a:r>
+              <a:t>2 days</a:t>
+            </a:r>
+            <a:endParaRPr lang="en-US" sz="2400" b="1" dirty="0" smtClean="0"/>
           </a:p>
           <a:p>
             <a:pPr eaLnBrk="1" hangingPunct="1"/>
@@ -4699,7 +4692,7 @@
         </p:nvSpPr>
         <p:spPr>
           <a:xfrm>
-            <a:off x="2952748" y="4070715"/>
+            <a:off x="2862034" y="4135446"/>
             <a:ext cx="1259745" cy="677108"/>
           </a:xfrm>
           <a:prstGeom prst="rect">
@@ -4719,7 +4712,7 @@
               <a:rPr lang="tr-TR" sz="1200" dirty="0" smtClean="0">
                 <a:latin typeface="+mn-lt"/>
               </a:rPr>
-              <a:t>Search in predefined solutions</a:t>
+              <a:t>Write an email to support team</a:t>
             </a:r>
             <a:endParaRPr lang="en-US" sz="1200" dirty="0">
               <a:latin typeface="+mn-lt"/>
@@ -4735,8 +4728,8 @@
         </p:nvSpPr>
         <p:spPr>
           <a:xfrm>
-            <a:off x="4618586" y="3323002"/>
-            <a:ext cx="1336516" cy="677108"/>
+            <a:off x="4618585" y="3323002"/>
+            <a:ext cx="2046533" cy="677108"/>
           </a:xfrm>
           <a:prstGeom prst="rect">
             <a:avLst/>
@@ -4752,16 +4745,10 @@
           <a:lstStyle/>
           <a:p>
             <a:r>
-              <a:rPr lang="en-US" sz="1200" dirty="0">
-                <a:latin typeface="+mn-lt"/>
-              </a:rPr>
-              <a:t>Look at the </a:t>
-            </a:r>
-            <a:r>
               <a:rPr lang="tr-TR" sz="1200" dirty="0" smtClean="0">
                 <a:latin typeface="+mn-lt"/>
               </a:rPr>
-              <a:t>list of predefined solutions</a:t>
+              <a:t>Get the email adress of the support team from a classmate</a:t>
             </a:r>
             <a:endParaRPr lang="en-US" sz="1200" dirty="0">
               <a:latin typeface="+mn-lt"/>
@@ -4771,14 +4758,14 @@
       </p:sp>
       <p:sp>
         <p:nvSpPr>
-          <p:cNvPr id="25" name="TextBox 24"/>
+          <p:cNvPr id="27" name="TextBox 26"/>
           <p:cNvSpPr txBox="1"/>
           <p:nvPr/>
         </p:nvSpPr>
         <p:spPr>
           <a:xfrm>
-            <a:off x="6286446" y="3323002"/>
-            <a:ext cx="1257373" cy="677108"/>
+            <a:off x="4645451" y="4313655"/>
+            <a:ext cx="1555689" cy="307777"/>
           </a:xfrm>
           <a:prstGeom prst="rect">
             <a:avLst/>
@@ -4797,7 +4784,7 @@
               <a:rPr lang="tr-TR" sz="1200" dirty="0" smtClean="0">
                 <a:latin typeface="+mn-lt"/>
               </a:rPr>
-              <a:t>Read content of related solutions</a:t>
+              <a:t>Wait for response</a:t>
             </a:r>
             <a:endParaRPr lang="en-US" sz="1200" dirty="0">
               <a:latin typeface="+mn-lt"/>
@@ -4807,14 +4794,14 @@
       </p:sp>
       <p:sp>
         <p:nvSpPr>
-          <p:cNvPr id="26" name="TextBox 25"/>
+          <p:cNvPr id="30" name="TextBox 29"/>
           <p:cNvSpPr txBox="1"/>
           <p:nvPr/>
         </p:nvSpPr>
         <p:spPr>
           <a:xfrm>
-            <a:off x="6280285" y="4070715"/>
-            <a:ext cx="1031720" cy="492443"/>
+            <a:off x="7046514" y="3594369"/>
+            <a:ext cx="1249414" cy="677108"/>
           </a:xfrm>
           <a:prstGeom prst="rect">
             <a:avLst/>
@@ -4830,10 +4817,16 @@
           <a:lstStyle/>
           <a:p>
             <a:r>
+              <a:rPr lang="en-US" sz="1200" dirty="0">
+                <a:latin typeface="+mn-lt"/>
+              </a:rPr>
+              <a:t>Receive </a:t>
+            </a:r>
+            <a:r>
               <a:rPr lang="tr-TR" sz="1200" dirty="0" smtClean="0">
                 <a:latin typeface="+mn-lt"/>
               </a:rPr>
-              <a:t>Create a new ticket</a:t>
+              <a:t>response from support team</a:t>
             </a:r>
             <a:endParaRPr lang="en-US" sz="1200" dirty="0">
               <a:latin typeface="+mn-lt"/>
@@ -4843,14 +4836,14 @@
       </p:sp>
       <p:sp>
         <p:nvSpPr>
-          <p:cNvPr id="27" name="TextBox 26"/>
+          <p:cNvPr id="33" name="TextBox 32"/>
           <p:cNvSpPr txBox="1"/>
           <p:nvPr/>
         </p:nvSpPr>
         <p:spPr>
           <a:xfrm>
-            <a:off x="4618585" y="4070715"/>
-            <a:ext cx="1555689" cy="677108"/>
+            <a:off x="8569258" y="3776149"/>
+            <a:ext cx="1222657" cy="307777"/>
           </a:xfrm>
           <a:prstGeom prst="rect">
             <a:avLst/>
@@ -4869,7 +4862,7 @@
               <a:rPr lang="tr-TR" sz="1200" dirty="0" smtClean="0">
                 <a:latin typeface="+mn-lt"/>
               </a:rPr>
-              <a:t>Try the steps suggested in the solution</a:t>
+              <a:t>Access portal</a:t>
             </a:r>
             <a:endParaRPr lang="en-US" sz="1200" dirty="0">
               <a:latin typeface="+mn-lt"/>
@@ -4879,14 +4872,14 @@
       </p:sp>
       <p:sp>
         <p:nvSpPr>
-          <p:cNvPr id="28" name="TextBox 27"/>
+          <p:cNvPr id="34" name="TextBox 33"/>
           <p:cNvSpPr txBox="1"/>
           <p:nvPr/>
         </p:nvSpPr>
         <p:spPr>
           <a:xfrm>
-            <a:off x="8466084" y="4070715"/>
-            <a:ext cx="701752" cy="677108"/>
+            <a:off x="10150551" y="3707637"/>
+            <a:ext cx="1237257" cy="492443"/>
           </a:xfrm>
           <a:prstGeom prst="rect">
             <a:avLst/>
@@ -4905,7 +4898,7 @@
               <a:rPr lang="tr-TR" sz="1200" dirty="0" smtClean="0">
                 <a:latin typeface="+mn-lt"/>
               </a:rPr>
-              <a:t>Try the steps</a:t>
+              <a:t>Get the lecture slides!</a:t>
             </a:r>
             <a:endParaRPr lang="en-US" sz="1200" dirty="0">
               <a:latin typeface="+mn-lt"/>
@@ -4915,14 +4908,14 @@
       </p:sp>
       <p:sp>
         <p:nvSpPr>
-          <p:cNvPr id="29" name="TextBox 28"/>
+          <p:cNvPr id="35" name="TextBox 34"/>
           <p:cNvSpPr txBox="1"/>
           <p:nvPr/>
         </p:nvSpPr>
         <p:spPr>
           <a:xfrm>
-            <a:off x="7636196" y="3323002"/>
-            <a:ext cx="1354248" cy="492443"/>
+            <a:off x="2881500" y="3323732"/>
+            <a:ext cx="1440510" cy="677108"/>
           </a:xfrm>
           <a:prstGeom prst="rect">
             <a:avLst/>
@@ -4941,7 +4934,7 @@
               <a:rPr lang="tr-TR" sz="1200" dirty="0" smtClean="0">
                 <a:latin typeface="+mn-lt"/>
               </a:rPr>
-              <a:t>Wait for the response</a:t>
+              <a:t>Search how to contact support team</a:t>
             </a:r>
             <a:endParaRPr lang="en-US" sz="1200" dirty="0">
               <a:latin typeface="+mn-lt"/>
@@ -4951,20 +4944,20 @@
       </p:sp>
       <p:sp>
         <p:nvSpPr>
-          <p:cNvPr id="30" name="TextBox 29"/>
+          <p:cNvPr id="36" name="TextBox 35"/>
           <p:cNvSpPr txBox="1"/>
           <p:nvPr/>
         </p:nvSpPr>
         <p:spPr>
           <a:xfrm>
-            <a:off x="7473950" y="4070715"/>
-            <a:ext cx="912989" cy="1046440"/>
+            <a:off x="6858935" y="5343429"/>
+            <a:ext cx="1259745" cy="307777"/>
           </a:xfrm>
           <a:prstGeom prst="rect">
             <a:avLst/>
           </a:prstGeom>
           <a:solidFill>
-            <a:srgbClr val="FFAF00"/>
+            <a:srgbClr val="4FB81C"/>
           </a:solidFill>
         </p:spPr>
         <p:txBody>
@@ -4974,16 +4967,10 @@
           <a:lstStyle/>
           <a:p>
             <a:r>
-              <a:rPr lang="en-US" sz="1200" dirty="0">
-                <a:latin typeface="+mn-lt"/>
-              </a:rPr>
-              <a:t>Receive </a:t>
-            </a:r>
-            <a:r>
               <a:rPr lang="tr-TR" sz="1200" dirty="0" smtClean="0">
                 <a:latin typeface="+mn-lt"/>
               </a:rPr>
-              <a:t>response from support team</a:t>
+              <a:t>Email</a:t>
             </a:r>
             <a:endParaRPr lang="en-US" sz="1200" dirty="0">
               <a:latin typeface="+mn-lt"/>
@@ -4993,20 +4980,20 @@
       </p:sp>
       <p:sp>
         <p:nvSpPr>
-          <p:cNvPr id="31" name="TextBox 30"/>
+          <p:cNvPr id="37" name="TextBox 36"/>
           <p:cNvSpPr txBox="1"/>
           <p:nvPr/>
         </p:nvSpPr>
         <p:spPr>
           <a:xfrm>
-            <a:off x="9260213" y="4070715"/>
-            <a:ext cx="1298233" cy="677108"/>
+            <a:off x="4871701" y="5369145"/>
+            <a:ext cx="1336516" cy="492443"/>
           </a:xfrm>
           <a:prstGeom prst="rect">
             <a:avLst/>
           </a:prstGeom>
           <a:solidFill>
-            <a:srgbClr val="FFAF00"/>
+            <a:srgbClr val="4FB81C"/>
           </a:solidFill>
         </p:spPr>
         <p:txBody>
@@ -5016,29 +5003,33 @@
           <a:lstStyle/>
           <a:p>
             <a:r>
-              <a:rPr lang="tr-TR" sz="1200" dirty="0"/>
-              <a:t>Reach the lecture page on portal</a:t>
-            </a:r>
-            <a:endParaRPr lang="en-US" sz="1200" dirty="0"/>
-          </a:p>
-        </p:txBody>
-      </p:sp>
-      <p:sp>
-        <p:nvSpPr>
-          <p:cNvPr id="32" name="TextBox 31"/>
+              <a:rPr lang="tr-TR" sz="1200" dirty="0" smtClean="0">
+                <a:latin typeface="+mn-lt"/>
+              </a:rPr>
+              <a:t>Support team member</a:t>
+            </a:r>
+            <a:endParaRPr lang="en-US" sz="1200" dirty="0">
+              <a:latin typeface="+mn-lt"/>
+            </a:endParaRPr>
+          </a:p>
+        </p:txBody>
+      </p:sp>
+      <p:sp>
+        <p:nvSpPr>
+          <p:cNvPr id="39" name="TextBox 38"/>
           <p:cNvSpPr txBox="1"/>
           <p:nvPr/>
         </p:nvSpPr>
         <p:spPr>
           <a:xfrm>
-            <a:off x="9081022" y="3323002"/>
-            <a:ext cx="1437596" cy="492443"/>
+            <a:off x="2943087" y="5369145"/>
+            <a:ext cx="1555689" cy="307777"/>
           </a:xfrm>
           <a:prstGeom prst="rect">
             <a:avLst/>
           </a:prstGeom>
           <a:solidFill>
-            <a:srgbClr val="FFAF00"/>
+            <a:srgbClr val="4FB81C"/>
           </a:solidFill>
         </p:spPr>
         <p:txBody>
@@ -5051,7 +5042,7 @@
               <a:rPr lang="tr-TR" sz="1200" dirty="0" smtClean="0">
                 <a:latin typeface="+mn-lt"/>
               </a:rPr>
-              <a:t>Open the portal page</a:t>
+              <a:t>Classmates</a:t>
             </a:r>
             <a:endParaRPr lang="en-US" sz="1200" dirty="0">
               <a:latin typeface="+mn-lt"/>
@@ -5061,265 +5052,13 @@
       </p:sp>
       <p:sp>
         <p:nvSpPr>
-          <p:cNvPr id="33" name="TextBox 32"/>
-          <p:cNvSpPr txBox="1"/>
-          <p:nvPr/>
-        </p:nvSpPr>
-        <p:spPr>
-          <a:xfrm>
-            <a:off x="10648668" y="3323002"/>
-            <a:ext cx="1222657" cy="307777"/>
-          </a:xfrm>
-          <a:prstGeom prst="rect">
-            <a:avLst/>
-          </a:prstGeom>
-          <a:solidFill>
-            <a:srgbClr val="FFAF00"/>
-          </a:solidFill>
-        </p:spPr>
-        <p:txBody>
-          <a:bodyPr wrap="square" lIns="121920" tIns="60960" rIns="121920" bIns="60960" rtlCol="0">
-            <a:spAutoFit/>
-          </a:bodyPr>
-          <a:lstStyle/>
-          <a:p>
-            <a:r>
-              <a:rPr lang="tr-TR" sz="1200" dirty="0" smtClean="0">
-                <a:latin typeface="+mn-lt"/>
-              </a:rPr>
-              <a:t>Access portal</a:t>
-            </a:r>
-            <a:endParaRPr lang="en-US" sz="1200" dirty="0">
-              <a:latin typeface="+mn-lt"/>
-            </a:endParaRPr>
-          </a:p>
-        </p:txBody>
-      </p:sp>
-      <p:sp>
-        <p:nvSpPr>
-          <p:cNvPr id="34" name="TextBox 33"/>
-          <p:cNvSpPr txBox="1"/>
-          <p:nvPr/>
-        </p:nvSpPr>
-        <p:spPr>
-          <a:xfrm>
-            <a:off x="10648668" y="4070715"/>
-            <a:ext cx="1237257" cy="492443"/>
-          </a:xfrm>
-          <a:prstGeom prst="rect">
-            <a:avLst/>
-          </a:prstGeom>
-          <a:solidFill>
-            <a:srgbClr val="FFAF00"/>
-          </a:solidFill>
-        </p:spPr>
-        <p:txBody>
-          <a:bodyPr wrap="square" lIns="121920" tIns="60960" rIns="121920" bIns="60960" rtlCol="0">
-            <a:spAutoFit/>
-          </a:bodyPr>
-          <a:lstStyle/>
-          <a:p>
-            <a:r>
-              <a:rPr lang="tr-TR" sz="1200" dirty="0" smtClean="0">
-                <a:latin typeface="+mn-lt"/>
-              </a:rPr>
-              <a:t>Get the lecture slides!</a:t>
-            </a:r>
-            <a:endParaRPr lang="en-US" sz="1200" dirty="0">
-              <a:latin typeface="+mn-lt"/>
-            </a:endParaRPr>
-          </a:p>
-        </p:txBody>
-      </p:sp>
-      <p:sp>
-        <p:nvSpPr>
-          <p:cNvPr id="35" name="TextBox 34"/>
-          <p:cNvSpPr txBox="1"/>
-          <p:nvPr/>
-        </p:nvSpPr>
-        <p:spPr>
-          <a:xfrm>
-            <a:off x="2955826" y="3323002"/>
-            <a:ext cx="1440510" cy="492443"/>
-          </a:xfrm>
-          <a:prstGeom prst="rect">
-            <a:avLst/>
-          </a:prstGeom>
-          <a:solidFill>
-            <a:srgbClr val="FFAF00"/>
-          </a:solidFill>
-        </p:spPr>
-        <p:txBody>
-          <a:bodyPr wrap="square" lIns="121920" tIns="60960" rIns="121920" bIns="60960" rtlCol="0">
-            <a:spAutoFit/>
-          </a:bodyPr>
-          <a:lstStyle/>
-          <a:p>
-            <a:r>
-              <a:rPr lang="tr-TR" sz="1200" dirty="0" smtClean="0">
-                <a:latin typeface="+mn-lt"/>
-              </a:rPr>
-              <a:t>Open the ticketing system</a:t>
-            </a:r>
-            <a:endParaRPr lang="en-US" sz="1200" dirty="0">
-              <a:latin typeface="+mn-lt"/>
-            </a:endParaRPr>
-          </a:p>
-        </p:txBody>
-      </p:sp>
-      <p:sp>
-        <p:nvSpPr>
-          <p:cNvPr id="36" name="TextBox 35"/>
-          <p:cNvSpPr txBox="1"/>
-          <p:nvPr/>
-        </p:nvSpPr>
-        <p:spPr>
-          <a:xfrm>
-            <a:off x="7543819" y="5343429"/>
-            <a:ext cx="1259745" cy="492443"/>
-          </a:xfrm>
-          <a:prstGeom prst="rect">
-            <a:avLst/>
-          </a:prstGeom>
-          <a:solidFill>
-            <a:srgbClr val="4FB81C"/>
-          </a:solidFill>
-        </p:spPr>
-        <p:txBody>
-          <a:bodyPr wrap="square" lIns="121920" tIns="60960" rIns="121920" bIns="60960" rtlCol="0">
-            <a:spAutoFit/>
-          </a:bodyPr>
-          <a:lstStyle/>
-          <a:p>
-            <a:r>
-              <a:rPr lang="tr-TR" sz="1200" dirty="0" smtClean="0">
-                <a:latin typeface="+mn-lt"/>
-              </a:rPr>
-              <a:t>Support Team Member</a:t>
-            </a:r>
-            <a:endParaRPr lang="en-US" sz="1200" dirty="0">
-              <a:latin typeface="+mn-lt"/>
-            </a:endParaRPr>
-          </a:p>
-        </p:txBody>
-      </p:sp>
-      <p:sp>
-        <p:nvSpPr>
-          <p:cNvPr id="37" name="TextBox 36"/>
-          <p:cNvSpPr txBox="1"/>
-          <p:nvPr/>
-        </p:nvSpPr>
-        <p:spPr>
-          <a:xfrm>
-            <a:off x="4618586" y="5369145"/>
-            <a:ext cx="1336516" cy="677108"/>
-          </a:xfrm>
-          <a:prstGeom prst="rect">
-            <a:avLst/>
-          </a:prstGeom>
-          <a:solidFill>
-            <a:srgbClr val="4FB81C"/>
-          </a:solidFill>
-        </p:spPr>
-        <p:txBody>
-          <a:bodyPr wrap="square" lIns="121920" tIns="60960" rIns="121920" bIns="60960" rtlCol="0">
-            <a:spAutoFit/>
-          </a:bodyPr>
-          <a:lstStyle/>
-          <a:p>
-            <a:r>
-              <a:rPr lang="tr-TR" sz="1200" dirty="0" smtClean="0">
-                <a:latin typeface="+mn-lt"/>
-              </a:rPr>
-              <a:t>List of predefined solutions</a:t>
-            </a:r>
-            <a:endParaRPr lang="en-US" sz="1200" dirty="0">
-              <a:latin typeface="+mn-lt"/>
-            </a:endParaRPr>
-          </a:p>
-        </p:txBody>
-      </p:sp>
-      <p:sp>
-        <p:nvSpPr>
-          <p:cNvPr id="38" name="TextBox 37"/>
-          <p:cNvSpPr txBox="1"/>
-          <p:nvPr/>
-        </p:nvSpPr>
-        <p:spPr>
-          <a:xfrm>
-            <a:off x="6253380" y="5343575"/>
-            <a:ext cx="1025558" cy="307777"/>
-          </a:xfrm>
-          <a:prstGeom prst="rect">
-            <a:avLst/>
-          </a:prstGeom>
-          <a:solidFill>
-            <a:srgbClr val="4FB81C"/>
-          </a:solidFill>
-        </p:spPr>
-        <p:txBody>
-          <a:bodyPr wrap="square" lIns="121920" tIns="60960" rIns="121920" bIns="60960" rtlCol="0">
-            <a:spAutoFit/>
-          </a:bodyPr>
-          <a:lstStyle/>
-          <a:p>
-            <a:r>
-              <a:rPr lang="tr-TR" sz="1200" dirty="0" smtClean="0">
-                <a:latin typeface="+mn-lt"/>
-              </a:rPr>
-              <a:t>Help page</a:t>
-            </a:r>
-            <a:endParaRPr lang="en-US" sz="1200" dirty="0">
-              <a:latin typeface="+mn-lt"/>
-            </a:endParaRPr>
-          </a:p>
-        </p:txBody>
-      </p:sp>
-      <p:sp>
-        <p:nvSpPr>
-          <p:cNvPr id="39" name="TextBox 38"/>
-          <p:cNvSpPr txBox="1"/>
-          <p:nvPr/>
-        </p:nvSpPr>
-        <p:spPr>
-          <a:xfrm>
-            <a:off x="2943087" y="5369145"/>
-            <a:ext cx="1555689" cy="307777"/>
-          </a:xfrm>
-          <a:prstGeom prst="rect">
-            <a:avLst/>
-          </a:prstGeom>
-          <a:solidFill>
-            <a:srgbClr val="4FB81C"/>
-          </a:solidFill>
-        </p:spPr>
-        <p:txBody>
-          <a:bodyPr wrap="square" lIns="121920" tIns="60960" rIns="121920" bIns="60960" rtlCol="0">
-            <a:spAutoFit/>
-          </a:bodyPr>
-          <a:lstStyle/>
-          <a:p>
-            <a:r>
-              <a:rPr lang="tr-TR" sz="1200" dirty="0" smtClean="0">
-                <a:latin typeface="+mn-lt"/>
-              </a:rPr>
-              <a:t>Ticketing system</a:t>
-            </a:r>
-            <a:endParaRPr lang="en-US" sz="1200" dirty="0">
-              <a:latin typeface="+mn-lt"/>
-            </a:endParaRPr>
-          </a:p>
-        </p:txBody>
-      </p:sp>
-      <p:sp>
-        <p:nvSpPr>
           <p:cNvPr id="40" name="TextBox 39"/>
           <p:cNvSpPr txBox="1"/>
           <p:nvPr/>
         </p:nvSpPr>
         <p:spPr>
           <a:xfrm>
-            <a:off x="10716163" y="5343575"/>
+            <a:off x="10157504" y="5276811"/>
             <a:ext cx="1012486" cy="492443"/>
           </a:xfrm>
           <a:prstGeom prst="rect">
@@ -5577,20 +5316,20 @@
       </p:sp>
       <p:sp>
         <p:nvSpPr>
-          <p:cNvPr id="50" name="Oval 49"/>
+          <p:cNvPr id="51" name="Oval 50"/>
           <p:cNvSpPr/>
           <p:nvPr/>
         </p:nvSpPr>
         <p:spPr bwMode="gray">
           <a:xfrm>
-            <a:off x="3760922" y="4629228"/>
+            <a:off x="7969409" y="4220988"/>
             <a:ext cx="213590" cy="213590"/>
           </a:xfrm>
           <a:prstGeom prst="ellipse">
             <a:avLst/>
           </a:prstGeom>
           <a:solidFill>
-            <a:srgbClr val="FF0000"/>
+            <a:srgbClr val="003283"/>
           </a:solidFill>
           <a:ln w="6350" algn="ctr">
             <a:noFill/>
@@ -5634,13 +5373,13 @@
       </p:sp>
       <p:sp>
         <p:nvSpPr>
-          <p:cNvPr id="51" name="Oval 50"/>
+          <p:cNvPr id="52" name="Oval 51"/>
           <p:cNvSpPr/>
           <p:nvPr/>
         </p:nvSpPr>
         <p:spPr bwMode="gray">
           <a:xfrm>
-            <a:off x="8176843" y="4563158"/>
+            <a:off x="11220663" y="4042754"/>
             <a:ext cx="213590" cy="213590"/>
           </a:xfrm>
           <a:prstGeom prst="ellipse">
@@ -5691,13 +5430,13 @@
       </p:sp>
       <p:sp>
         <p:nvSpPr>
-          <p:cNvPr id="52" name="Oval 51"/>
+          <p:cNvPr id="53" name="Oval 52"/>
           <p:cNvSpPr/>
           <p:nvPr/>
         </p:nvSpPr>
         <p:spPr bwMode="gray">
           <a:xfrm>
-            <a:off x="11657735" y="4450072"/>
+            <a:off x="9425759" y="4028651"/>
             <a:ext cx="213590" cy="213590"/>
           </a:xfrm>
           <a:prstGeom prst="ellipse">
@@ -5748,20 +5487,20 @@
       </p:sp>
       <p:sp>
         <p:nvSpPr>
-          <p:cNvPr id="53" name="Oval 52"/>
+          <p:cNvPr id="54" name="Oval 53"/>
           <p:cNvSpPr/>
           <p:nvPr/>
         </p:nvSpPr>
         <p:spPr bwMode="gray">
           <a:xfrm>
-            <a:off x="11661830" y="3514010"/>
+            <a:off x="5752589" y="4534014"/>
             <a:ext cx="213590" cy="213590"/>
           </a:xfrm>
           <a:prstGeom prst="ellipse">
             <a:avLst/>
           </a:prstGeom>
           <a:solidFill>
-            <a:srgbClr val="003283"/>
+            <a:srgbClr val="FF0000"/>
           </a:solidFill>
           <a:ln w="6350" algn="ctr">
             <a:noFill/>
@@ -5805,13 +5544,49 @@
       </p:sp>
       <p:sp>
         <p:nvSpPr>
-          <p:cNvPr id="54" name="Oval 53"/>
+          <p:cNvPr id="56" name="TextBox 55"/>
+          <p:cNvSpPr txBox="1"/>
+          <p:nvPr/>
+        </p:nvSpPr>
+        <p:spPr>
+          <a:xfrm>
+            <a:off x="8753284" y="5331174"/>
+            <a:ext cx="1012486" cy="492443"/>
+          </a:xfrm>
+          <a:prstGeom prst="rect">
+            <a:avLst/>
+          </a:prstGeom>
+          <a:solidFill>
+            <a:srgbClr val="4FB81C"/>
+          </a:solidFill>
+        </p:spPr>
+        <p:txBody>
+          <a:bodyPr wrap="square" lIns="121920" tIns="60960" rIns="121920" bIns="60960" rtlCol="0">
+            <a:spAutoFit/>
+          </a:bodyPr>
+          <a:lstStyle/>
+          <a:p>
+            <a:r>
+              <a:rPr lang="tr-TR" sz="1200" dirty="0" smtClean="0">
+                <a:latin typeface="+mn-lt"/>
+              </a:rPr>
+              <a:t>Student portal</a:t>
+            </a:r>
+            <a:endParaRPr lang="en-US" sz="1200" dirty="0">
+              <a:latin typeface="+mn-lt"/>
+            </a:endParaRPr>
+          </a:p>
+        </p:txBody>
+      </p:sp>
+      <p:sp>
+        <p:nvSpPr>
+          <p:cNvPr id="55" name="Oval 54"/>
           <p:cNvSpPr/>
           <p:nvPr/>
         </p:nvSpPr>
         <p:spPr bwMode="gray">
           <a:xfrm>
-            <a:off x="5668957" y="4593935"/>
+            <a:off x="4173445" y="3675026"/>
             <a:ext cx="213590" cy="213590"/>
           </a:xfrm>
           <a:prstGeom prst="ellipse">
@@ -5856,42 +5631,6 @@
               <a:uFillTx/>
               <a:ea typeface="Arial Unicode MS" pitchFamily="34" charset="-128"/>
               <a:cs typeface="Arial Unicode MS" pitchFamily="34" charset="-128"/>
-            </a:endParaRPr>
-          </a:p>
-        </p:txBody>
-      </p:sp>
-      <p:sp>
-        <p:nvSpPr>
-          <p:cNvPr id="56" name="TextBox 55"/>
-          <p:cNvSpPr txBox="1"/>
-          <p:nvPr/>
-        </p:nvSpPr>
-        <p:spPr>
-          <a:xfrm>
-            <a:off x="9333326" y="5331174"/>
-            <a:ext cx="1012486" cy="492443"/>
-          </a:xfrm>
-          <a:prstGeom prst="rect">
-            <a:avLst/>
-          </a:prstGeom>
-          <a:solidFill>
-            <a:srgbClr val="4FB81C"/>
-          </a:solidFill>
-        </p:spPr>
-        <p:txBody>
-          <a:bodyPr wrap="square" lIns="121920" tIns="60960" rIns="121920" bIns="60960" rtlCol="0">
-            <a:spAutoFit/>
-          </a:bodyPr>
-          <a:lstStyle/>
-          <a:p>
-            <a:r>
-              <a:rPr lang="tr-TR" sz="1200" dirty="0" smtClean="0">
-                <a:latin typeface="+mn-lt"/>
-              </a:rPr>
-              <a:t>Student portal</a:t>
-            </a:r>
-            <a:endParaRPr lang="en-US" sz="1200" dirty="0">
-              <a:latin typeface="+mn-lt"/>
             </a:endParaRPr>
           </a:p>
         </p:txBody>
@@ -6631,7 +6370,7 @@
         <p:spPr bwMode="auto">
           <a:xfrm>
             <a:off x="6858935" y="1290641"/>
-            <a:ext cx="4557497" cy="817773"/>
+            <a:ext cx="4693753" cy="817773"/>
           </a:xfrm>
           <a:prstGeom prst="rect">
             <a:avLst/>
@@ -6780,17 +6519,10 @@
               <a:t>Duration of the Journey: </a:t>
             </a:r>
             <a:r>
-              <a:rPr lang="tr-TR" sz="2400" b="1" dirty="0"/>
-              <a:t>4</a:t>
-            </a:r>
-            <a:r>
-              <a:rPr lang="en-US" sz="2400" b="1" dirty="0" smtClean="0"/>
-              <a:t>0 </a:t>
-            </a:r>
-            <a:r>
-              <a:rPr lang="en-US" sz="2400" b="1" dirty="0" smtClean="0"/>
-              <a:t>min</a:t>
-            </a:r>
+              <a:rPr lang="tr-TR" sz="2400" b="1" dirty="0" smtClean="0"/>
+              <a:t>2 hours</a:t>
+            </a:r>
+            <a:endParaRPr lang="en-US" sz="2400" b="1" dirty="0" smtClean="0"/>
           </a:p>
           <a:p>
             <a:pPr eaLnBrk="1" hangingPunct="1"/>
@@ -7362,8 +7094,8 @@
         </p:nvSpPr>
         <p:spPr>
           <a:xfrm>
-            <a:off x="2952749" y="1885987"/>
-            <a:ext cx="1440510" cy="492443"/>
+            <a:off x="2952748" y="1885987"/>
+            <a:ext cx="1623029" cy="492443"/>
           </a:xfrm>
           <a:prstGeom prst="rect">
             <a:avLst/>
@@ -7382,7 +7114,13 @@
               <a:rPr lang="tr-TR" sz="1200" dirty="0" smtClean="0">
                 <a:latin typeface="+mn-lt"/>
               </a:rPr>
-              <a:t>There are new tickets.</a:t>
+              <a:t>There are new </a:t>
+            </a:r>
+            <a:r>
+              <a:rPr lang="tr-TR" sz="1200" dirty="0" smtClean="0">
+                <a:latin typeface="+mn-lt"/>
+              </a:rPr>
+              <a:t>mails from students.</a:t>
             </a:r>
             <a:endParaRPr lang="en-US" sz="1200" dirty="0">
               <a:latin typeface="+mn-lt"/>
@@ -7593,7 +7331,19 @@
               <a:rPr lang="tr-TR" sz="1200" dirty="0" smtClean="0">
                 <a:latin typeface="+mn-lt"/>
               </a:rPr>
-              <a:t>This one was created 3 days ago</a:t>
+              <a:t>This one was </a:t>
+            </a:r>
+            <a:r>
+              <a:rPr lang="tr-TR" sz="1200" dirty="0" smtClean="0">
+                <a:latin typeface="+mn-lt"/>
+              </a:rPr>
+              <a:t>sent 2 days </a:t>
+            </a:r>
+            <a:r>
+              <a:rPr lang="tr-TR" sz="1200" dirty="0" smtClean="0">
+                <a:latin typeface="+mn-lt"/>
+              </a:rPr>
+              <a:t>ago</a:t>
             </a:r>
             <a:r>
               <a:rPr lang="en-US" sz="1200" dirty="0" smtClean="0">
@@ -7757,7 +7507,13 @@
               <a:rPr lang="tr-TR" sz="1200" dirty="0" smtClean="0">
                 <a:latin typeface="+mn-lt"/>
               </a:rPr>
-              <a:t>resolved the ticket </a:t>
+              <a:t>resolved the </a:t>
+            </a:r>
+            <a:r>
+              <a:rPr lang="tr-TR" sz="1200" dirty="0" smtClean="0">
+                <a:latin typeface="+mn-lt"/>
+              </a:rPr>
+              <a:t>issue </a:t>
             </a:r>
             <a:r>
               <a:rPr lang="en-US" sz="1200" dirty="0" smtClean="0">
@@ -7817,7 +7573,7 @@
         <p:spPr>
           <a:xfrm>
             <a:off x="4618586" y="3323002"/>
-            <a:ext cx="1336516" cy="492443"/>
+            <a:ext cx="1336516" cy="677108"/>
           </a:xfrm>
           <a:prstGeom prst="rect">
             <a:avLst/>
@@ -7842,7 +7598,7 @@
               <a:rPr lang="tr-TR" sz="1200" dirty="0" smtClean="0">
                 <a:latin typeface="+mn-lt"/>
               </a:rPr>
-              <a:t>tickets list</a:t>
+              <a:t>mails from students</a:t>
             </a:r>
             <a:endParaRPr lang="en-US" sz="1200" dirty="0">
               <a:latin typeface="+mn-lt"/>
@@ -7966,14 +7722,14 @@
       </p:sp>
       <p:sp>
         <p:nvSpPr>
-          <p:cNvPr id="28" name="TextBox 27"/>
+          <p:cNvPr id="29" name="TextBox 28"/>
           <p:cNvSpPr txBox="1"/>
           <p:nvPr/>
         </p:nvSpPr>
         <p:spPr>
           <a:xfrm>
-            <a:off x="10473266" y="3556117"/>
-            <a:ext cx="943166" cy="492443"/>
+            <a:off x="7609135" y="4218603"/>
+            <a:ext cx="1501487" cy="492443"/>
           </a:xfrm>
           <a:prstGeom prst="rect">
             <a:avLst/>
@@ -7992,7 +7748,7 @@
               <a:rPr lang="tr-TR" sz="1200" dirty="0" smtClean="0">
                 <a:latin typeface="+mn-lt"/>
               </a:rPr>
-              <a:t>Close the ticket</a:t>
+              <a:t>Send solution to the requester</a:t>
             </a:r>
             <a:endParaRPr lang="en-US" sz="1200" dirty="0">
               <a:latin typeface="+mn-lt"/>
@@ -8002,14 +7758,14 @@
       </p:sp>
       <p:sp>
         <p:nvSpPr>
-          <p:cNvPr id="29" name="TextBox 28"/>
+          <p:cNvPr id="30" name="TextBox 29"/>
           <p:cNvSpPr txBox="1"/>
           <p:nvPr/>
         </p:nvSpPr>
         <p:spPr>
           <a:xfrm>
-            <a:off x="7609135" y="4218603"/>
-            <a:ext cx="1501487" cy="492443"/>
+            <a:off x="9561755" y="3582288"/>
+            <a:ext cx="1076038" cy="492443"/>
           </a:xfrm>
           <a:prstGeom prst="rect">
             <a:avLst/>
@@ -8025,10 +7781,16 @@
           <a:lstStyle/>
           <a:p>
             <a:r>
+              <a:rPr lang="en-US" sz="1200" dirty="0">
+                <a:latin typeface="+mn-lt"/>
+              </a:rPr>
+              <a:t>Receive </a:t>
+            </a:r>
+            <a:r>
               <a:rPr lang="tr-TR" sz="1200" dirty="0" smtClean="0">
                 <a:latin typeface="+mn-lt"/>
               </a:rPr>
-              <a:t>Send solution to the requester</a:t>
+              <a:t>confirmation</a:t>
             </a:r>
             <a:endParaRPr lang="en-US" sz="1200" dirty="0">
               <a:latin typeface="+mn-lt"/>
@@ -8038,14 +7800,14 @@
       </p:sp>
       <p:sp>
         <p:nvSpPr>
-          <p:cNvPr id="30" name="TextBox 29"/>
+          <p:cNvPr id="35" name="TextBox 34"/>
           <p:cNvSpPr txBox="1"/>
           <p:nvPr/>
         </p:nvSpPr>
         <p:spPr>
           <a:xfrm>
-            <a:off x="9193807" y="3569223"/>
-            <a:ext cx="1076038" cy="492443"/>
+            <a:off x="2955826" y="3323002"/>
+            <a:ext cx="1440510" cy="307777"/>
           </a:xfrm>
           <a:prstGeom prst="rect">
             <a:avLst/>
@@ -8061,52 +7823,16 @@
           <a:lstStyle/>
           <a:p>
             <a:r>
-              <a:rPr lang="en-US" sz="1200" dirty="0">
-                <a:latin typeface="+mn-lt"/>
-              </a:rPr>
-              <a:t>Receive </a:t>
-            </a:r>
-            <a:r>
               <a:rPr lang="tr-TR" sz="1200" dirty="0" smtClean="0">
                 <a:latin typeface="+mn-lt"/>
               </a:rPr>
-              <a:t>confirmation</a:t>
-            </a:r>
-            <a:endParaRPr lang="en-US" sz="1200" dirty="0">
-              <a:latin typeface="+mn-lt"/>
-            </a:endParaRPr>
-          </a:p>
-        </p:txBody>
-      </p:sp>
-      <p:sp>
-        <p:nvSpPr>
-          <p:cNvPr id="35" name="TextBox 34"/>
-          <p:cNvSpPr txBox="1"/>
-          <p:nvPr/>
-        </p:nvSpPr>
-        <p:spPr>
-          <a:xfrm>
-            <a:off x="2955826" y="3323002"/>
-            <a:ext cx="1440510" cy="492443"/>
-          </a:xfrm>
-          <a:prstGeom prst="rect">
-            <a:avLst/>
-          </a:prstGeom>
-          <a:solidFill>
-            <a:srgbClr val="FFAF00"/>
-          </a:solidFill>
-        </p:spPr>
-        <p:txBody>
-          <a:bodyPr wrap="square" lIns="121920" tIns="60960" rIns="121920" bIns="60960" rtlCol="0">
-            <a:spAutoFit/>
-          </a:bodyPr>
-          <a:lstStyle/>
-          <a:p>
+              <a:t>Open the </a:t>
+            </a:r>
             <a:r>
               <a:rPr lang="tr-TR" sz="1200" dirty="0" smtClean="0">
                 <a:latin typeface="+mn-lt"/>
               </a:rPr>
-              <a:t>Open the ticketing system</a:t>
+              <a:t>mailbox</a:t>
             </a:r>
             <a:endParaRPr lang="en-US" sz="1200" dirty="0">
               <a:latin typeface="+mn-lt"/>
@@ -8578,7 +8304,7 @@
         </p:nvSpPr>
         <p:spPr bwMode="gray">
           <a:xfrm>
-            <a:off x="11215935" y="3963920"/>
+            <a:off x="10541296" y="3963920"/>
             <a:ext cx="213590" cy="213590"/>
           </a:xfrm>
           <a:prstGeom prst="ellipse">
@@ -8691,7 +8417,13 @@
               <a:rPr lang="tr-TR" sz="1200" dirty="0" smtClean="0">
                 <a:latin typeface="+mn-lt"/>
               </a:rPr>
-              <a:t>List of tickets</a:t>
+              <a:t>List of </a:t>
+            </a:r>
+            <a:r>
+              <a:rPr lang="tr-TR" sz="1200" dirty="0" smtClean="0">
+                <a:latin typeface="+mn-lt"/>
+              </a:rPr>
+              <a:t>mails</a:t>
             </a:r>
             <a:endParaRPr lang="en-US" sz="1200" dirty="0">
               <a:latin typeface="+mn-lt"/>
@@ -8727,7 +8459,7 @@
               <a:rPr lang="tr-TR" sz="1200" dirty="0" smtClean="0">
                 <a:latin typeface="+mn-lt"/>
               </a:rPr>
-              <a:t>Ticketing system</a:t>
+              <a:t>Mailbox</a:t>
             </a:r>
             <a:endParaRPr lang="en-US" sz="1200" dirty="0">
               <a:latin typeface="+mn-lt"/>
@@ -9506,7 +9238,7 @@
         <p:spPr bwMode="auto">
           <a:xfrm>
             <a:off x="6889087" y="1290641"/>
-            <a:ext cx="4557497" cy="817773"/>
+            <a:ext cx="4693753" cy="817773"/>
           </a:xfrm>
           <a:prstGeom prst="rect">
             <a:avLst/>
@@ -9656,16 +9388,9 @@
             </a:r>
             <a:r>
               <a:rPr lang="tr-TR" sz="2400" b="1" dirty="0" smtClean="0"/>
-              <a:t>9</a:t>
-            </a:r>
-            <a:r>
-              <a:rPr lang="en-US" sz="2400" b="1" dirty="0" smtClean="0"/>
-              <a:t>0 </a:t>
-            </a:r>
-            <a:r>
-              <a:rPr lang="en-US" sz="2400" b="1" dirty="0" smtClean="0"/>
-              <a:t>min</a:t>
-            </a:r>
+              <a:t>3 hours</a:t>
+            </a:r>
+            <a:endParaRPr lang="en-US" sz="2400" b="1" dirty="0" smtClean="0"/>
           </a:p>
           <a:p>
             <a:pPr eaLnBrk="1" hangingPunct="1"/>
@@ -10257,7 +9982,13 @@
               <a:rPr lang="tr-TR" sz="1200" dirty="0" smtClean="0">
                 <a:latin typeface="+mn-lt"/>
               </a:rPr>
-              <a:t>Need to check overdue tickets</a:t>
+              <a:t>Need to check overdue </a:t>
+            </a:r>
+            <a:r>
+              <a:rPr lang="tr-TR" sz="1200" dirty="0" smtClean="0">
+                <a:latin typeface="+mn-lt"/>
+              </a:rPr>
+              <a:t>requests</a:t>
             </a:r>
             <a:endParaRPr lang="en-US" sz="1200" dirty="0">
               <a:latin typeface="+mn-lt"/>
@@ -10293,7 +10024,25 @@
               <a:rPr lang="tr-TR" sz="1200" dirty="0" smtClean="0">
                 <a:latin typeface="+mn-lt"/>
               </a:rPr>
-              <a:t>8 tickets still waiting </a:t>
+              <a:t>8 </a:t>
+            </a:r>
+            <a:r>
+              <a:rPr lang="tr-TR" sz="1200" dirty="0" smtClean="0">
+                <a:latin typeface="+mn-lt"/>
+              </a:rPr>
+              <a:t>mails </a:t>
+            </a:r>
+            <a:r>
+              <a:rPr lang="tr-TR" sz="1200" dirty="0" smtClean="0">
+                <a:latin typeface="+mn-lt"/>
+              </a:rPr>
+              <a:t>still </a:t>
+            </a:r>
+            <a:r>
+              <a:rPr lang="tr-TR" sz="1200" dirty="0" smtClean="0">
+                <a:latin typeface="+mn-lt"/>
+              </a:rPr>
+              <a:t>waiting </a:t>
             </a:r>
             <a:r>
               <a:rPr lang="en-US" sz="1200" dirty="0" smtClean="0">
@@ -10485,7 +10234,7 @@
         </p:nvSpPr>
         <p:spPr>
           <a:xfrm>
-            <a:off x="9590069" y="1885987"/>
+            <a:off x="9558376" y="1990948"/>
             <a:ext cx="1625707" cy="492443"/>
           </a:xfrm>
           <a:prstGeom prst="rect">
@@ -10805,7 +10554,13 @@
               <a:rPr lang="tr-TR" sz="1200" dirty="0" smtClean="0">
                 <a:latin typeface="+mn-lt"/>
               </a:rPr>
-              <a:t>Read the ticket content</a:t>
+              <a:t>Read the </a:t>
+            </a:r>
+            <a:r>
+              <a:rPr lang="tr-TR" sz="1200" dirty="0" smtClean="0">
+                <a:latin typeface="+mn-lt"/>
+              </a:rPr>
+              <a:t>mail content</a:t>
             </a:r>
             <a:endParaRPr lang="en-US" sz="1200" dirty="0">
               <a:latin typeface="+mn-lt"/>
@@ -10853,7 +10608,31 @@
               <a:rPr lang="tr-TR" sz="1200" dirty="0" smtClean="0">
                 <a:latin typeface="+mn-lt"/>
               </a:rPr>
-              <a:t> tickets list to find our the overdue ones</a:t>
+              <a:t> </a:t>
+            </a:r>
+            <a:r>
+              <a:rPr lang="tr-TR" sz="1200" dirty="0" smtClean="0">
+                <a:latin typeface="+mn-lt"/>
+              </a:rPr>
+              <a:t>mails to </a:t>
+            </a:r>
+            <a:r>
+              <a:rPr lang="tr-TR" sz="1200" dirty="0" smtClean="0">
+                <a:latin typeface="+mn-lt"/>
+              </a:rPr>
+              <a:t>find </a:t>
+            </a:r>
+            <a:r>
+              <a:rPr lang="tr-TR" sz="1200" dirty="0" smtClean="0">
+                <a:latin typeface="+mn-lt"/>
+              </a:rPr>
+              <a:t>out </a:t>
+            </a:r>
+            <a:r>
+              <a:rPr lang="tr-TR" sz="1200" dirty="0" smtClean="0">
+                <a:latin typeface="+mn-lt"/>
+              </a:rPr>
+              <a:t>the overdue ones</a:t>
             </a:r>
             <a:endParaRPr lang="en-US" sz="1200" dirty="0">
               <a:latin typeface="+mn-lt"/>
@@ -10948,7 +10727,7 @@
         <p:spPr>
           <a:xfrm>
             <a:off x="2914134" y="3536158"/>
-            <a:ext cx="1440510" cy="492443"/>
+            <a:ext cx="1440510" cy="307777"/>
           </a:xfrm>
           <a:prstGeom prst="rect">
             <a:avLst/>
@@ -10967,7 +10746,13 @@
               <a:rPr lang="tr-TR" sz="1200" dirty="0" smtClean="0">
                 <a:latin typeface="+mn-lt"/>
               </a:rPr>
-              <a:t>Open the ticketing system</a:t>
+              <a:t>Open the </a:t>
+            </a:r>
+            <a:r>
+              <a:rPr lang="tr-TR" sz="1200" dirty="0" smtClean="0">
+                <a:latin typeface="+mn-lt"/>
+              </a:rPr>
+              <a:t>mailbox</a:t>
             </a:r>
             <a:endParaRPr lang="en-US" sz="1200" dirty="0">
               <a:latin typeface="+mn-lt"/>
@@ -11153,7 +10938,13 @@
               <a:rPr lang="tr-TR" sz="1200" dirty="0" smtClean="0">
                 <a:latin typeface="+mn-lt"/>
               </a:rPr>
-              <a:t>List of tickets</a:t>
+              <a:t>List of </a:t>
+            </a:r>
+            <a:r>
+              <a:rPr lang="tr-TR" sz="1200" dirty="0" smtClean="0">
+                <a:latin typeface="+mn-lt"/>
+              </a:rPr>
+              <a:t>mails</a:t>
             </a:r>
             <a:endParaRPr lang="en-US" sz="1200" dirty="0">
               <a:latin typeface="+mn-lt"/>
@@ -11189,7 +10980,7 @@
               <a:rPr lang="tr-TR" sz="1200" dirty="0" smtClean="0">
                 <a:latin typeface="+mn-lt"/>
               </a:rPr>
-              <a:t>Ticketing system</a:t>
+              <a:t>Mailbox</a:t>
             </a:r>
             <a:endParaRPr lang="en-US" sz="1200" dirty="0">
               <a:latin typeface="+mn-lt"/>
@@ -11334,7 +11125,7 @@
         </p:nvSpPr>
         <p:spPr>
           <a:xfrm>
-            <a:off x="9404790" y="5356015"/>
+            <a:off x="9404790" y="5337176"/>
             <a:ext cx="1012486" cy="307777"/>
           </a:xfrm>
           <a:prstGeom prst="rect">
@@ -11355,42 +11146,6 @@
                 <a:latin typeface="+mn-lt"/>
               </a:rPr>
               <a:t>Reports</a:t>
-            </a:r>
-            <a:endParaRPr lang="en-US" sz="1200" dirty="0">
-              <a:latin typeface="+mn-lt"/>
-            </a:endParaRPr>
-          </a:p>
-        </p:txBody>
-      </p:sp>
-      <p:sp>
-        <p:nvSpPr>
-          <p:cNvPr id="76" name="TextBox 75"/>
-          <p:cNvSpPr txBox="1"/>
-          <p:nvPr/>
-        </p:nvSpPr>
-        <p:spPr>
-          <a:xfrm>
-            <a:off x="9390436" y="5811216"/>
-            <a:ext cx="1012486" cy="307777"/>
-          </a:xfrm>
-          <a:prstGeom prst="rect">
-            <a:avLst/>
-          </a:prstGeom>
-          <a:solidFill>
-            <a:srgbClr val="4FB81C"/>
-          </a:solidFill>
-        </p:spPr>
-        <p:txBody>
-          <a:bodyPr wrap="square" lIns="121920" tIns="60960" rIns="121920" bIns="60960" rtlCol="0">
-            <a:spAutoFit/>
-          </a:bodyPr>
-          <a:lstStyle/>
-          <a:p>
-            <a:r>
-              <a:rPr lang="tr-TR" sz="1200" dirty="0" smtClean="0">
-                <a:latin typeface="+mn-lt"/>
-              </a:rPr>
-              <a:t>Mails</a:t>
             </a:r>
             <a:endParaRPr lang="en-US" sz="1200" dirty="0">
               <a:latin typeface="+mn-lt"/>
